--- a/SAT-ACT-Presentation.pptx
+++ b/SAT-ACT-Presentation.pptx
@@ -121,6 +121,11 @@
       </a:defRPr>
     </a:lvl9pPr>
   </p:defaultTextStyle>
+  <p:extLst>
+    <p:ext uri="{EFAFB233-063F-42B5-8137-9DF3F51BA10A}">
+      <p15:sldGuideLst xmlns:p15="http://schemas.microsoft.com/office/powerpoint/2012/main"/>
+    </p:ext>
+  </p:extLst>
 </p:presentation>
 </file>
 
@@ -1107,6 +1112,60 @@
           </pc:sldLayoutMkLst>
         </pc:sldLayoutChg>
       </pc:sldMasterChg>
+    </pc:docChg>
+  </pc:docChgLst>
+  <pc:docChgLst>
+    <pc:chgData name="Benjamin Dornel" userId="ae093956f9b222ec" providerId="LiveId" clId="{E9A32FBA-762C-4A2A-A84C-7DB95F420B23}"/>
+    <pc:docChg chg="undo custSel modSld">
+      <pc:chgData name="Benjamin Dornel" userId="ae093956f9b222ec" providerId="LiveId" clId="{E9A32FBA-762C-4A2A-A84C-7DB95F420B23}" dt="2020-11-08T12:43:59.324" v="24" actId="20577"/>
+      <pc:docMkLst>
+        <pc:docMk/>
+      </pc:docMkLst>
+      <pc:sldChg chg="modSp mod">
+        <pc:chgData name="Benjamin Dornel" userId="ae093956f9b222ec" providerId="LiveId" clId="{E9A32FBA-762C-4A2A-A84C-7DB95F420B23}" dt="2020-11-08T12:43:59.324" v="24" actId="20577"/>
+        <pc:sldMkLst>
+          <pc:docMk/>
+          <pc:sldMk cId="2438175067" sldId="4293"/>
+        </pc:sldMkLst>
+        <pc:spChg chg="mod">
+          <ac:chgData name="Benjamin Dornel" userId="ae093956f9b222ec" providerId="LiveId" clId="{E9A32FBA-762C-4A2A-A84C-7DB95F420B23}" dt="2020-11-08T12:43:59.324" v="24" actId="20577"/>
+          <ac:spMkLst>
+            <pc:docMk/>
+            <pc:sldMk cId="2438175067" sldId="4293"/>
+            <ac:spMk id="8" creationId="{F8278DBD-5B32-4306-9D9E-DDFC9616B9E5}"/>
+          </ac:spMkLst>
+        </pc:spChg>
+      </pc:sldChg>
+      <pc:sldChg chg="modSp mod">
+        <pc:chgData name="Benjamin Dornel" userId="ae093956f9b222ec" providerId="LiveId" clId="{E9A32FBA-762C-4A2A-A84C-7DB95F420B23}" dt="2020-11-08T12:43:49.804" v="4" actId="14100"/>
+        <pc:sldMkLst>
+          <pc:docMk/>
+          <pc:sldMk cId="1561852164" sldId="4303"/>
+        </pc:sldMkLst>
+        <pc:picChg chg="mod">
+          <ac:chgData name="Benjamin Dornel" userId="ae093956f9b222ec" providerId="LiveId" clId="{E9A32FBA-762C-4A2A-A84C-7DB95F420B23}" dt="2020-11-08T12:43:49.804" v="4" actId="14100"/>
+          <ac:picMkLst>
+            <pc:docMk/>
+            <pc:sldMk cId="1561852164" sldId="4303"/>
+            <ac:picMk id="12" creationId="{4E79D1E3-B2C6-40A6-BEA9-B2E4F599591C}"/>
+          </ac:picMkLst>
+        </pc:picChg>
+      </pc:sldChg>
+      <pc:sldChg chg="modSp mod">
+        <pc:chgData name="Benjamin Dornel" userId="ae093956f9b222ec" providerId="LiveId" clId="{E9A32FBA-762C-4A2A-A84C-7DB95F420B23}" dt="2020-11-08T12:43:46.461" v="3" actId="1076"/>
+        <pc:sldMkLst>
+          <pc:docMk/>
+          <pc:sldMk cId="1378139106" sldId="4306"/>
+        </pc:sldMkLst>
+        <pc:picChg chg="mod">
+          <ac:chgData name="Benjamin Dornel" userId="ae093956f9b222ec" providerId="LiveId" clId="{E9A32FBA-762C-4A2A-A84C-7DB95F420B23}" dt="2020-11-08T12:43:46.461" v="3" actId="1076"/>
+          <ac:picMkLst>
+            <pc:docMk/>
+            <pc:sldMk cId="1378139106" sldId="4306"/>
+            <ac:picMk id="4" creationId="{E6BFEE35-EF93-4FCD-BDE5-3CBE273AC144}"/>
+          </ac:picMkLst>
+        </pc:picChg>
+      </pc:sldChg>
     </pc:docChg>
   </pc:docChgLst>
 </pc:chgInfo>
@@ -6180,8 +6239,8 @@
         </p:blipFill>
         <p:spPr>
           <a:xfrm>
-            <a:off x="271501" y="1190172"/>
-            <a:ext cx="11648998" cy="4851400"/>
+            <a:off x="182879" y="1015787"/>
+            <a:ext cx="11589029" cy="4826425"/>
           </a:xfrm>
           <a:prstGeom prst="rect">
             <a:avLst/>
@@ -6240,8 +6299,8 @@
         </p:blipFill>
         <p:spPr>
           <a:xfrm>
-            <a:off x="258249" y="568632"/>
-            <a:ext cx="11675502" cy="5720736"/>
+            <a:off x="1289269" y="927476"/>
+            <a:ext cx="9840884" cy="4821814"/>
           </a:xfrm>
           <a:prstGeom prst="rect">
             <a:avLst/>
@@ -6821,8 +6880,21 @@
                   <a:schemeClr val="bg1"/>
                 </a:solidFill>
               </a:rPr>
-              <a:t>States with high ACT states</a:t>
-            </a:r>
+              <a:t>States with high </a:t>
+            </a:r>
+            <a:r>
+              <a:rPr lang="en-SG">
+                <a:solidFill>
+                  <a:schemeClr val="bg1"/>
+                </a:solidFill>
+              </a:rPr>
+              <a:t>ACT scores</a:t>
+            </a:r>
+            <a:endParaRPr lang="en-SG" dirty="0">
+              <a:solidFill>
+                <a:schemeClr val="bg1"/>
+              </a:solidFill>
+            </a:endParaRPr>
           </a:p>
         </p:txBody>
       </p:sp>

--- a/SAT-ACT-Presentation.pptx
+++ b/SAT-ACT-Presentation.pptx
@@ -1117,16 +1117,54 @@
   <pc:docChgLst>
     <pc:chgData name="Benjamin Dornel" userId="ae093956f9b222ec" providerId="LiveId" clId="{E9A32FBA-762C-4A2A-A84C-7DB95F420B23}"/>
     <pc:docChg chg="undo custSel modSld">
-      <pc:chgData name="Benjamin Dornel" userId="ae093956f9b222ec" providerId="LiveId" clId="{E9A32FBA-762C-4A2A-A84C-7DB95F420B23}" dt="2020-11-08T12:43:59.324" v="24" actId="20577"/>
+      <pc:chgData name="Benjamin Dornel" userId="ae093956f9b222ec" providerId="LiveId" clId="{E9A32FBA-762C-4A2A-A84C-7DB95F420B23}" dt="2020-11-08T13:14:11.732" v="267" actId="20577"/>
       <pc:docMkLst>
         <pc:docMk/>
       </pc:docMkLst>
       <pc:sldChg chg="modSp mod">
-        <pc:chgData name="Benjamin Dornel" userId="ae093956f9b222ec" providerId="LiveId" clId="{E9A32FBA-762C-4A2A-A84C-7DB95F420B23}" dt="2020-11-08T12:43:59.324" v="24" actId="20577"/>
+        <pc:chgData name="Benjamin Dornel" userId="ae093956f9b222ec" providerId="LiveId" clId="{E9A32FBA-762C-4A2A-A84C-7DB95F420B23}" dt="2020-11-08T13:12:40.764" v="30" actId="20577"/>
+        <pc:sldMkLst>
+          <pc:docMk/>
+          <pc:sldMk cId="355220784" sldId="4290"/>
+        </pc:sldMkLst>
+        <pc:spChg chg="mod">
+          <ac:chgData name="Benjamin Dornel" userId="ae093956f9b222ec" providerId="LiveId" clId="{E9A32FBA-762C-4A2A-A84C-7DB95F420B23}" dt="2020-11-08T13:12:40.764" v="30" actId="20577"/>
+          <ac:spMkLst>
+            <pc:docMk/>
+            <pc:sldMk cId="355220784" sldId="4290"/>
+            <ac:spMk id="2" creationId="{4BBE8C2D-B34B-4689-9DE9-5F725BB3ED5A}"/>
+          </ac:spMkLst>
+        </pc:spChg>
+      </pc:sldChg>
+      <pc:sldChg chg="modSp mod">
+        <pc:chgData name="Benjamin Dornel" userId="ae093956f9b222ec" providerId="LiveId" clId="{E9A32FBA-762C-4A2A-A84C-7DB95F420B23}" dt="2020-11-08T13:13:12.637" v="78" actId="20577"/>
+        <pc:sldMkLst>
+          <pc:docMk/>
+          <pc:sldMk cId="1464661900" sldId="4292"/>
+        </pc:sldMkLst>
+        <pc:spChg chg="mod">
+          <ac:chgData name="Benjamin Dornel" userId="ae093956f9b222ec" providerId="LiveId" clId="{E9A32FBA-762C-4A2A-A84C-7DB95F420B23}" dt="2020-11-08T13:13:12.637" v="78" actId="20577"/>
+          <ac:spMkLst>
+            <pc:docMk/>
+            <pc:sldMk cId="1464661900" sldId="4292"/>
+            <ac:spMk id="4" creationId="{71EBEF01-D1BA-4508-A784-949120AA32F4}"/>
+          </ac:spMkLst>
+        </pc:spChg>
+      </pc:sldChg>
+      <pc:sldChg chg="modSp mod">
+        <pc:chgData name="Benjamin Dornel" userId="ae093956f9b222ec" providerId="LiveId" clId="{E9A32FBA-762C-4A2A-A84C-7DB95F420B23}" dt="2020-11-08T13:14:11.732" v="267" actId="20577"/>
         <pc:sldMkLst>
           <pc:docMk/>
           <pc:sldMk cId="2438175067" sldId="4293"/>
         </pc:sldMkLst>
+        <pc:spChg chg="mod">
+          <ac:chgData name="Benjamin Dornel" userId="ae093956f9b222ec" providerId="LiveId" clId="{E9A32FBA-762C-4A2A-A84C-7DB95F420B23}" dt="2020-11-08T13:14:11.732" v="267" actId="20577"/>
+          <ac:spMkLst>
+            <pc:docMk/>
+            <pc:sldMk cId="2438175067" sldId="4293"/>
+            <ac:spMk id="2" creationId="{4BBE8C2D-B34B-4689-9DE9-5F725BB3ED5A}"/>
+          </ac:spMkLst>
+        </pc:spChg>
         <pc:spChg chg="mod">
           <ac:chgData name="Benjamin Dornel" userId="ae093956f9b222ec" providerId="LiveId" clId="{E9A32FBA-762C-4A2A-A84C-7DB95F420B23}" dt="2020-11-08T12:43:59.324" v="24" actId="20577"/>
           <ac:spMkLst>
@@ -6458,7 +6496,7 @@
           <a:p>
             <a:r>
               <a:rPr lang="en-SG" dirty="0"/>
-              <a:t>Clearly, the SAT is more popular than the ACT</a:t>
+              <a:t>Clearly, the ACT is more popular than the SAT</a:t>
             </a:r>
           </a:p>
         </p:txBody>
@@ -6643,7 +6681,7 @@
         </p:spPr>
         <p:txBody>
           <a:bodyPr>
-            <a:normAutofit/>
+            <a:normAutofit fontScale="90000"/>
           </a:bodyPr>
           <a:lstStyle/>
           <a:p>
@@ -6654,7 +6692,22 @@
                   <a:schemeClr val="bg1"/>
                 </a:solidFill>
               </a:rPr>
-              <a:t>So is the ACT better than the SAT?</a:t>
+              <a:t>So how can we boost </a:t>
+            </a:r>
+            <a:br>
+              <a:rPr lang="en-SG" sz="5400" dirty="0">
+                <a:solidFill>
+                  <a:schemeClr val="bg1"/>
+                </a:solidFill>
+              </a:rPr>
+            </a:br>
+            <a:r>
+              <a:rPr lang="en-SG" sz="5400" dirty="0">
+                <a:solidFill>
+                  <a:schemeClr val="bg1"/>
+                </a:solidFill>
+              </a:rPr>
+              <a:t>SAT participation rates?</a:t>
             </a:r>
           </a:p>
         </p:txBody>
@@ -6714,7 +6767,15 @@
           <a:p>
             <a:r>
               <a:rPr lang="en-SG" sz="4000" dirty="0"/>
-              <a:t>Not necessarily. Turns out that poor states have low ACT scores.</a:t>
+              <a:t>Looking at the data shows that poor states have relatively higher SAT scores </a:t>
+            </a:r>
+            <a:r>
+              <a:rPr lang="en-SG" sz="4000"/>
+              <a:t>and lower ACT </a:t>
+            </a:r>
+            <a:r>
+              <a:rPr lang="en-SG" sz="4000" dirty="0"/>
+              <a:t>scores.</a:t>
             </a:r>
           </a:p>
         </p:txBody>
